--- a/images/present.pptx
+++ b/images/present.pptx
@@ -7807,7 +7807,7 @@
                 <a:latin typeface="Cambria Math" panose="02040503050406030204" pitchFamily="18" charset="0"/>
                 <a:ea typeface="Cambria Math" panose="02040503050406030204" pitchFamily="18" charset="0"/>
               </a:rPr>
-              <a:t>Загрузить данные из .</a:t>
+              <a:t>Импортировать данные из .</a:t>
             </a:r>
             <a:r>
               <a:rPr lang="ru-RU" sz="2800" dirty="0" err="1">
@@ -7821,8 +7821,19 @@
                 <a:latin typeface="Cambria Math" panose="02040503050406030204" pitchFamily="18" charset="0"/>
                 <a:ea typeface="Cambria Math" panose="02040503050406030204" pitchFamily="18" charset="0"/>
               </a:rPr>
-              <a:t> файла в Spark. </a:t>
-            </a:r>
+              <a:t> файла в </a:t>
+            </a:r>
+            <a:r>
+              <a:rPr lang="ru-RU" sz="2800" dirty="0" err="1">
+                <a:latin typeface="Cambria Math" panose="02040503050406030204" pitchFamily="18" charset="0"/>
+                <a:ea typeface="Cambria Math" panose="02040503050406030204" pitchFamily="18" charset="0"/>
+              </a:rPr>
+              <a:t>PostgreSQL</a:t>
+            </a:r>
+            <a:endParaRPr lang="ru-RU" sz="2800" dirty="0">
+              <a:latin typeface="Cambria Math" panose="02040503050406030204" pitchFamily="18" charset="0"/>
+              <a:ea typeface="Cambria Math" panose="02040503050406030204" pitchFamily="18" charset="0"/>
+            </a:endParaRPr>
           </a:p>
           <a:p>
             <a:pPr marL="342900" indent="-342900">
@@ -7833,7 +7844,7 @@
                 <a:latin typeface="Cambria Math" panose="02040503050406030204" pitchFamily="18" charset="0"/>
                 <a:ea typeface="Cambria Math" panose="02040503050406030204" pitchFamily="18" charset="0"/>
               </a:rPr>
-              <a:t>Выполнить трансформацию и вычисления. </a:t>
+              <a:t>Выполнить обработку данных и вычисления. </a:t>
             </a:r>
           </a:p>
           <a:p>
@@ -7845,7 +7856,21 @@
                 <a:latin typeface="Cambria Math" panose="02040503050406030204" pitchFamily="18" charset="0"/>
                 <a:ea typeface="Cambria Math" panose="02040503050406030204" pitchFamily="18" charset="0"/>
               </a:rPr>
-              <a:t>Сохранить результат в файлы .</a:t>
+              <a:t>Экспортировать результаты в файлы .</a:t>
+            </a:r>
+            <a:r>
+              <a:rPr lang="ru-RU" sz="2800" dirty="0" err="1">
+                <a:latin typeface="Cambria Math" panose="02040503050406030204" pitchFamily="18" charset="0"/>
+                <a:ea typeface="Cambria Math" panose="02040503050406030204" pitchFamily="18" charset="0"/>
+              </a:rPr>
+              <a:t>csv</a:t>
+            </a:r>
+            <a:r>
+              <a:rPr lang="ru-RU" sz="2800" dirty="0">
+                <a:latin typeface="Cambria Math" panose="02040503050406030204" pitchFamily="18" charset="0"/>
+                <a:ea typeface="Cambria Math" panose="02040503050406030204" pitchFamily="18" charset="0"/>
+              </a:rPr>
+              <a:t> и .</a:t>
             </a:r>
             <a:r>
               <a:rPr lang="ru-RU" sz="2800" dirty="0" err="1">
@@ -7868,21 +7893,7 @@
                 <a:latin typeface="Cambria Math" panose="02040503050406030204" pitchFamily="18" charset="0"/>
                 <a:ea typeface="Cambria Math" panose="02040503050406030204" pitchFamily="18" charset="0"/>
               </a:rPr>
-              <a:t>Выполнить доп. анализ и построить график в </a:t>
-            </a:r>
-            <a:r>
-              <a:rPr lang="ru-RU" sz="2800" dirty="0" err="1">
-                <a:latin typeface="Cambria Math" panose="02040503050406030204" pitchFamily="18" charset="0"/>
-                <a:ea typeface="Cambria Math" panose="02040503050406030204" pitchFamily="18" charset="0"/>
-              </a:rPr>
-              <a:t>PySpark</a:t>
-            </a:r>
-            <a:r>
-              <a:rPr lang="ru-RU" sz="2800" dirty="0">
-                <a:latin typeface="Cambria Math" panose="02040503050406030204" pitchFamily="18" charset="0"/>
-                <a:ea typeface="Cambria Math" panose="02040503050406030204" pitchFamily="18" charset="0"/>
-              </a:rPr>
-              <a:t>.</a:t>
+              <a:t>Выполнить доп. анализ и построить график в Python</a:t>
             </a:r>
           </a:p>
         </p:txBody>
@@ -8008,21 +8019,7 @@
                 <a:latin typeface="Cambria Math" panose="02040503050406030204" pitchFamily="18" charset="0"/>
                 <a:ea typeface="Cambria Math" panose="02040503050406030204" pitchFamily="18" charset="0"/>
               </a:rPr>
-              <a:t>                      		# Рисунки для </a:t>
-            </a:r>
-            <a:r>
-              <a:rPr lang="ru-RU" sz="2000" dirty="0" err="1">
-                <a:latin typeface="Cambria Math" panose="02040503050406030204" pitchFamily="18" charset="0"/>
-                <a:ea typeface="Cambria Math" panose="02040503050406030204" pitchFamily="18" charset="0"/>
-              </a:rPr>
-              <a:t>Github</a:t>
-            </a:r>
-            <a:r>
-              <a:rPr lang="ru-RU" sz="2000" dirty="0">
-                <a:latin typeface="Cambria Math" panose="02040503050406030204" pitchFamily="18" charset="0"/>
-                <a:ea typeface="Cambria Math" panose="02040503050406030204" pitchFamily="18" charset="0"/>
-              </a:rPr>
-              <a:t> и доп. материалы</a:t>
+              <a:t>                      		# Рисунки и доп. материалы</a:t>
             </a:r>
           </a:p>
           <a:p>
@@ -8155,35 +8152,21 @@
                 <a:latin typeface="Cambria Math" panose="02040503050406030204" pitchFamily="18" charset="0"/>
                 <a:ea typeface="Cambria Math" panose="02040503050406030204" pitchFamily="18" charset="0"/>
               </a:rPr>
-              <a:t>В этой же папке находится файл </a:t>
+              <a:t>В папке </a:t>
             </a:r>
             <a:r>
               <a:rPr lang="ru-RU" sz="2000" dirty="0" err="1">
                 <a:latin typeface="Cambria Math" panose="02040503050406030204" pitchFamily="18" charset="0"/>
                 <a:ea typeface="Cambria Math" panose="02040503050406030204" pitchFamily="18" charset="0"/>
               </a:rPr>
-              <a:t>analysis.ipynb</a:t>
+              <a:t>code</a:t>
             </a:r>
             <a:r>
               <a:rPr lang="ru-RU" sz="2000" dirty="0">
                 <a:latin typeface="Cambria Math" panose="02040503050406030204" pitchFamily="18" charset="0"/>
                 <a:ea typeface="Cambria Math" panose="02040503050406030204" pitchFamily="18" charset="0"/>
               </a:rPr>
-              <a:t> с </a:t>
-            </a:r>
-            <a:r>
-              <a:rPr lang="ru-RU" sz="2000" dirty="0" err="1">
-                <a:latin typeface="Cambria Math" panose="02040503050406030204" pitchFamily="18" charset="0"/>
-                <a:ea typeface="Cambria Math" panose="02040503050406030204" pitchFamily="18" charset="0"/>
-              </a:rPr>
-              <a:t>результатми</a:t>
-            </a:r>
-            <a:r>
-              <a:rPr lang="ru-RU" sz="2000" dirty="0">
-                <a:latin typeface="Cambria Math" panose="02040503050406030204" pitchFamily="18" charset="0"/>
-                <a:ea typeface="Cambria Math" panose="02040503050406030204" pitchFamily="18" charset="0"/>
-              </a:rPr>
-              <a:t> доп. аналитики и графиками.</a:t>
+              <a:t> находятся файлы с кодом для обработки данных и доп. аналитики.</a:t>
             </a:r>
           </a:p>
           <a:p>
@@ -8207,6 +8190,20 @@
                 <a:ea typeface="Cambria Math" panose="02040503050406030204" pitchFamily="18" charset="0"/>
               </a:rPr>
               <a:t> находятся выходные данные в формате .</a:t>
+            </a:r>
+            <a:r>
+              <a:rPr lang="ru-RU" sz="2000" dirty="0" err="1">
+                <a:latin typeface="Cambria Math" panose="02040503050406030204" pitchFamily="18" charset="0"/>
+                <a:ea typeface="Cambria Math" panose="02040503050406030204" pitchFamily="18" charset="0"/>
+              </a:rPr>
+              <a:t>csv</a:t>
+            </a:r>
+            <a:r>
+              <a:rPr lang="ru-RU" sz="2000" dirty="0">
+                <a:latin typeface="Cambria Math" panose="02040503050406030204" pitchFamily="18" charset="0"/>
+                <a:ea typeface="Cambria Math" panose="02040503050406030204" pitchFamily="18" charset="0"/>
+              </a:rPr>
+              <a:t> и .</a:t>
             </a:r>
             <a:r>
               <a:rPr lang="ru-RU" sz="2000" dirty="0" err="1">
@@ -8252,12 +8249,210 @@
           <a:chExt cx="0" cy="0"/>
         </a:xfrm>
       </p:grpSpPr>
+      <p:sp>
+        <p:nvSpPr>
+          <p:cNvPr id="5" name="TextBox 4">
+            <a:extLst>
+              <a:ext uri="{FF2B5EF4-FFF2-40B4-BE49-F238E27FC236}">
+                <a16:creationId xmlns:a16="http://schemas.microsoft.com/office/drawing/2014/main" id="{BB2C6682-14EC-DD60-7FF9-51E1CB3A673D}"/>
+              </a:ext>
+            </a:extLst>
+          </p:cNvPr>
+          <p:cNvSpPr txBox="1"/>
+          <p:nvPr/>
+        </p:nvSpPr>
+        <p:spPr>
+          <a:xfrm>
+            <a:off x="439737" y="915833"/>
+            <a:ext cx="5038724" cy="461665"/>
+          </a:xfrm>
+          <a:prstGeom prst="rect">
+            <a:avLst/>
+          </a:prstGeom>
+          <a:noFill/>
+        </p:spPr>
+        <p:txBody>
+          <a:bodyPr wrap="square">
+            <a:spAutoFit/>
+          </a:bodyPr>
+          <a:lstStyle/>
+          <a:p>
+            <a:r>
+              <a:rPr lang="ru-RU" sz="2400" dirty="0">
+                <a:latin typeface="Cambria Math" panose="02040503050406030204" pitchFamily="18" charset="0"/>
+                <a:ea typeface="Cambria Math" panose="02040503050406030204" pitchFamily="18" charset="0"/>
+              </a:rPr>
+              <a:t>Технологический стек:</a:t>
+            </a:r>
+          </a:p>
+        </p:txBody>
+      </p:sp>
+      <p:sp>
+        <p:nvSpPr>
+          <p:cNvPr id="7" name="TextBox 6">
+            <a:extLst>
+              <a:ext uri="{FF2B5EF4-FFF2-40B4-BE49-F238E27FC236}">
+                <a16:creationId xmlns:a16="http://schemas.microsoft.com/office/drawing/2014/main" id="{0146E3D2-1386-447D-C5B5-40BE2CE19498}"/>
+              </a:ext>
+            </a:extLst>
+          </p:cNvPr>
+          <p:cNvSpPr txBox="1"/>
+          <p:nvPr/>
+        </p:nvSpPr>
+        <p:spPr>
+          <a:xfrm>
+            <a:off x="439736" y="4046129"/>
+            <a:ext cx="6075363" cy="461665"/>
+          </a:xfrm>
+          <a:prstGeom prst="rect">
+            <a:avLst/>
+          </a:prstGeom>
+          <a:noFill/>
+        </p:spPr>
+        <p:txBody>
+          <a:bodyPr wrap="square">
+            <a:spAutoFit/>
+          </a:bodyPr>
+          <a:lstStyle/>
+          <a:p>
+            <a:r>
+              <a:rPr lang="ru-RU" sz="2400" dirty="0">
+                <a:latin typeface="Cambria Math" panose="02040503050406030204" pitchFamily="18" charset="0"/>
+                <a:ea typeface="Cambria Math" panose="02040503050406030204" pitchFamily="18" charset="0"/>
+              </a:rPr>
+              <a:t>Схема взаимодействия приложений:</a:t>
+            </a:r>
+          </a:p>
+        </p:txBody>
+      </p:sp>
+      <p:sp>
+        <p:nvSpPr>
+          <p:cNvPr id="9" name="TextBox 8">
+            <a:extLst>
+              <a:ext uri="{FF2B5EF4-FFF2-40B4-BE49-F238E27FC236}">
+                <a16:creationId xmlns:a16="http://schemas.microsoft.com/office/drawing/2014/main" id="{DA22A9AC-0E0C-4BC0-A3B3-11E23EA81316}"/>
+              </a:ext>
+            </a:extLst>
+          </p:cNvPr>
+          <p:cNvSpPr txBox="1"/>
+          <p:nvPr/>
+        </p:nvSpPr>
+        <p:spPr>
+          <a:xfrm>
+            <a:off x="735012" y="4632722"/>
+            <a:ext cx="9218613" cy="338554"/>
+          </a:xfrm>
+          <a:prstGeom prst="rect">
+            <a:avLst/>
+          </a:prstGeom>
+          <a:noFill/>
+        </p:spPr>
+        <p:txBody>
+          <a:bodyPr wrap="square">
+            <a:spAutoFit/>
+          </a:bodyPr>
+          <a:lstStyle/>
+          <a:p>
+            <a:r>
+              <a:rPr lang="en-US" sz="1600" dirty="0">
+                <a:latin typeface="Cambria Math" panose="02040503050406030204" pitchFamily="18" charset="0"/>
+                <a:ea typeface="Cambria Math" panose="02040503050406030204" pitchFamily="18" charset="0"/>
+              </a:rPr>
+              <a:t>.csv -&gt; PostgreSQL </a:t>
+            </a:r>
+            <a:r>
+              <a:rPr lang="ru-RU" sz="1600" dirty="0">
+                <a:latin typeface="Cambria Math" panose="02040503050406030204" pitchFamily="18" charset="0"/>
+                <a:ea typeface="Cambria Math" panose="02040503050406030204" pitchFamily="18" charset="0"/>
+              </a:rPr>
+              <a:t>(</a:t>
+            </a:r>
+            <a:r>
+              <a:rPr lang="en-US" sz="1600" dirty="0">
+                <a:latin typeface="Cambria Math" panose="02040503050406030204" pitchFamily="18" charset="0"/>
+                <a:ea typeface="Cambria Math" panose="02040503050406030204" pitchFamily="18" charset="0"/>
+              </a:rPr>
+              <a:t>SQL</a:t>
+            </a:r>
+            <a:r>
+              <a:rPr lang="ru-RU" sz="1600" dirty="0">
+                <a:latin typeface="Cambria Math" panose="02040503050406030204" pitchFamily="18" charset="0"/>
+                <a:ea typeface="Cambria Math" panose="02040503050406030204" pitchFamily="18" charset="0"/>
+              </a:rPr>
+              <a:t>)</a:t>
+            </a:r>
+            <a:r>
+              <a:rPr lang="en-US" sz="1600" dirty="0">
+                <a:latin typeface="Cambria Math" panose="02040503050406030204" pitchFamily="18" charset="0"/>
+                <a:ea typeface="Cambria Math" panose="02040503050406030204" pitchFamily="18" charset="0"/>
+              </a:rPr>
+              <a:t> -&gt; .csv -&gt; Python</a:t>
+            </a:r>
+            <a:r>
+              <a:rPr lang="ru-RU" sz="1600" dirty="0">
+                <a:latin typeface="Cambria Math" panose="02040503050406030204" pitchFamily="18" charset="0"/>
+                <a:ea typeface="Cambria Math" panose="02040503050406030204" pitchFamily="18" charset="0"/>
+              </a:rPr>
+              <a:t> (</a:t>
+            </a:r>
+            <a:r>
+              <a:rPr lang="en-US" sz="1600" dirty="0">
+                <a:latin typeface="Cambria Math" panose="02040503050406030204" pitchFamily="18" charset="0"/>
+                <a:ea typeface="Cambria Math" panose="02040503050406030204" pitchFamily="18" charset="0"/>
+              </a:rPr>
+              <a:t>Pandas) -&gt; .parquet</a:t>
+            </a:r>
+            <a:endParaRPr lang="ru-RU" sz="1600" dirty="0">
+              <a:latin typeface="Cambria Math" panose="02040503050406030204" pitchFamily="18" charset="0"/>
+              <a:ea typeface="Cambria Math" panose="02040503050406030204" pitchFamily="18" charset="0"/>
+            </a:endParaRPr>
+          </a:p>
+        </p:txBody>
+      </p:sp>
+      <p:sp>
+        <p:nvSpPr>
+          <p:cNvPr id="13" name="TextBox 12">
+            <a:extLst>
+              <a:ext uri="{FF2B5EF4-FFF2-40B4-BE49-F238E27FC236}">
+                <a16:creationId xmlns:a16="http://schemas.microsoft.com/office/drawing/2014/main" id="{B0772810-7E3A-D3F5-63B7-47EC95DA4B54}"/>
+              </a:ext>
+            </a:extLst>
+          </p:cNvPr>
+          <p:cNvSpPr txBox="1"/>
+          <p:nvPr/>
+        </p:nvSpPr>
+        <p:spPr>
+          <a:xfrm>
+            <a:off x="439737" y="217397"/>
+            <a:ext cx="5038724" cy="584775"/>
+          </a:xfrm>
+          <a:prstGeom prst="rect">
+            <a:avLst/>
+          </a:prstGeom>
+          <a:noFill/>
+        </p:spPr>
+        <p:txBody>
+          <a:bodyPr wrap="square">
+            <a:spAutoFit/>
+          </a:bodyPr>
+          <a:lstStyle/>
+          <a:p>
+            <a:r>
+              <a:rPr lang="ru-RU" sz="3200" dirty="0">
+                <a:latin typeface="Cambria Math" panose="02040503050406030204" pitchFamily="18" charset="0"/>
+                <a:ea typeface="Cambria Math" panose="02040503050406030204" pitchFamily="18" charset="0"/>
+              </a:rPr>
+              <a:t>Структура проекта:</a:t>
+            </a:r>
+          </a:p>
+        </p:txBody>
+      </p:sp>
       <p:pic>
         <p:nvPicPr>
-          <p:cNvPr id="3" name="Рисунок 2">
+          <p:cNvPr id="4" name="Рисунок 3">
             <a:extLst>
               <a:ext uri="{FF2B5EF4-FFF2-40B4-BE49-F238E27FC236}">
-                <a16:creationId xmlns:a16="http://schemas.microsoft.com/office/drawing/2014/main" id="{112ED9B1-0038-C9CA-70F5-016253582809}"/>
+                <a16:creationId xmlns:a16="http://schemas.microsoft.com/office/drawing/2014/main" id="{ABE367E0-C779-3682-2C20-C75DFC14BF9B}"/>
               </a:ext>
             </a:extLst>
           </p:cNvPr>
@@ -8274,313 +8469,14 @@
         </p:blipFill>
         <p:spPr>
           <a:xfrm>
-            <a:off x="1312456" y="1543050"/>
-            <a:ext cx="7736887" cy="2337527"/>
+            <a:off x="1244599" y="1502426"/>
+            <a:ext cx="7591425" cy="2247900"/>
           </a:xfrm>
           <a:prstGeom prst="rect">
             <a:avLst/>
           </a:prstGeom>
         </p:spPr>
       </p:pic>
-      <p:sp>
-        <p:nvSpPr>
-          <p:cNvPr id="5" name="TextBox 4">
-            <a:extLst>
-              <a:ext uri="{FF2B5EF4-FFF2-40B4-BE49-F238E27FC236}">
-                <a16:creationId xmlns:a16="http://schemas.microsoft.com/office/drawing/2014/main" id="{BB2C6682-14EC-DD60-7FF9-51E1CB3A673D}"/>
-              </a:ext>
-            </a:extLst>
-          </p:cNvPr>
-          <p:cNvSpPr txBox="1"/>
-          <p:nvPr/>
-        </p:nvSpPr>
-        <p:spPr>
-          <a:xfrm>
-            <a:off x="439737" y="915833"/>
-            <a:ext cx="5038724" cy="461665"/>
-          </a:xfrm>
-          <a:prstGeom prst="rect">
-            <a:avLst/>
-          </a:prstGeom>
-          <a:noFill/>
-        </p:spPr>
-        <p:txBody>
-          <a:bodyPr wrap="square">
-            <a:spAutoFit/>
-          </a:bodyPr>
-          <a:lstStyle/>
-          <a:p>
-            <a:r>
-              <a:rPr lang="ru-RU" sz="2400" dirty="0">
-                <a:latin typeface="Cambria Math" panose="02040503050406030204" pitchFamily="18" charset="0"/>
-                <a:ea typeface="Cambria Math" panose="02040503050406030204" pitchFamily="18" charset="0"/>
-              </a:rPr>
-              <a:t>Схема работы приложения:</a:t>
-            </a:r>
-          </a:p>
-        </p:txBody>
-      </p:sp>
-      <p:sp>
-        <p:nvSpPr>
-          <p:cNvPr id="7" name="TextBox 6">
-            <a:extLst>
-              <a:ext uri="{FF2B5EF4-FFF2-40B4-BE49-F238E27FC236}">
-                <a16:creationId xmlns:a16="http://schemas.microsoft.com/office/drawing/2014/main" id="{0146E3D2-1386-447D-C5B5-40BE2CE19498}"/>
-              </a:ext>
-            </a:extLst>
-          </p:cNvPr>
-          <p:cNvSpPr txBox="1"/>
-          <p:nvPr/>
-        </p:nvSpPr>
-        <p:spPr>
-          <a:xfrm>
-            <a:off x="439737" y="4046129"/>
-            <a:ext cx="5038724" cy="461665"/>
-          </a:xfrm>
-          <a:prstGeom prst="rect">
-            <a:avLst/>
-          </a:prstGeom>
-          <a:noFill/>
-        </p:spPr>
-        <p:txBody>
-          <a:bodyPr wrap="square">
-            <a:spAutoFit/>
-          </a:bodyPr>
-          <a:lstStyle/>
-          <a:p>
-            <a:r>
-              <a:rPr lang="ru-RU" sz="2400" dirty="0">
-                <a:latin typeface="Cambria Math" panose="02040503050406030204" pitchFamily="18" charset="0"/>
-                <a:ea typeface="Cambria Math" panose="02040503050406030204" pitchFamily="18" charset="0"/>
-              </a:rPr>
-              <a:t>Пример запуска приложения:</a:t>
-            </a:r>
-          </a:p>
-        </p:txBody>
-      </p:sp>
-      <p:sp>
-        <p:nvSpPr>
-          <p:cNvPr id="9" name="TextBox 8">
-            <a:extLst>
-              <a:ext uri="{FF2B5EF4-FFF2-40B4-BE49-F238E27FC236}">
-                <a16:creationId xmlns:a16="http://schemas.microsoft.com/office/drawing/2014/main" id="{DA22A9AC-0E0C-4BC0-A3B3-11E23EA81316}"/>
-              </a:ext>
-            </a:extLst>
-          </p:cNvPr>
-          <p:cNvSpPr txBox="1"/>
-          <p:nvPr/>
-        </p:nvSpPr>
-        <p:spPr>
-          <a:xfrm>
-            <a:off x="735012" y="4632722"/>
-            <a:ext cx="9218613" cy="584775"/>
-          </a:xfrm>
-          <a:prstGeom prst="rect">
-            <a:avLst/>
-          </a:prstGeom>
-          <a:noFill/>
-        </p:spPr>
-        <p:txBody>
-          <a:bodyPr wrap="square">
-            <a:spAutoFit/>
-          </a:bodyPr>
-          <a:lstStyle/>
-          <a:p>
-            <a:r>
-              <a:rPr lang="ru-RU" sz="1600" dirty="0" err="1">
-                <a:latin typeface="Cambria Math" panose="02040503050406030204" pitchFamily="18" charset="0"/>
-                <a:ea typeface="Cambria Math" panose="02040503050406030204" pitchFamily="18" charset="0"/>
-              </a:rPr>
-              <a:t>spark-submit</a:t>
-            </a:r>
-            <a:r>
-              <a:rPr lang="ru-RU" sz="1600" dirty="0">
-                <a:latin typeface="Cambria Math" panose="02040503050406030204" pitchFamily="18" charset="0"/>
-                <a:ea typeface="Cambria Math" panose="02040503050406030204" pitchFamily="18" charset="0"/>
-              </a:rPr>
-              <a:t>     --</a:t>
-            </a:r>
-            <a:r>
-              <a:rPr lang="ru-RU" sz="1600" dirty="0" err="1">
-                <a:latin typeface="Cambria Math" panose="02040503050406030204" pitchFamily="18" charset="0"/>
-                <a:ea typeface="Cambria Math" panose="02040503050406030204" pitchFamily="18" charset="0"/>
-              </a:rPr>
-              <a:t>class</a:t>
-            </a:r>
-            <a:r>
-              <a:rPr lang="ru-RU" sz="1600" dirty="0">
-                <a:latin typeface="Cambria Math" panose="02040503050406030204" pitchFamily="18" charset="0"/>
-                <a:ea typeface="Cambria Math" panose="02040503050406030204" pitchFamily="18" charset="0"/>
-              </a:rPr>
-              <a:t> </a:t>
-            </a:r>
-            <a:r>
-              <a:rPr lang="ru-RU" sz="1600" dirty="0" err="1">
-                <a:latin typeface="Cambria Math" panose="02040503050406030204" pitchFamily="18" charset="0"/>
-                <a:ea typeface="Cambria Math" panose="02040503050406030204" pitchFamily="18" charset="0"/>
-              </a:rPr>
-              <a:t>org.example.App</a:t>
-            </a:r>
-            <a:r>
-              <a:rPr lang="ru-RU" sz="1600" dirty="0">
-                <a:latin typeface="Cambria Math" panose="02040503050406030204" pitchFamily="18" charset="0"/>
-                <a:ea typeface="Cambria Math" panose="02040503050406030204" pitchFamily="18" charset="0"/>
-              </a:rPr>
-              <a:t>     ./finalp.jar /</a:t>
-            </a:r>
-            <a:r>
-              <a:rPr lang="ru-RU" sz="1600" dirty="0" err="1">
-                <a:latin typeface="Cambria Math" panose="02040503050406030204" pitchFamily="18" charset="0"/>
-                <a:ea typeface="Cambria Math" panose="02040503050406030204" pitchFamily="18" charset="0"/>
-              </a:rPr>
-              <a:t>home</a:t>
-            </a:r>
-            <a:r>
-              <a:rPr lang="ru-RU" sz="1600" dirty="0">
-                <a:latin typeface="Cambria Math" panose="02040503050406030204" pitchFamily="18" charset="0"/>
-                <a:ea typeface="Cambria Math" panose="02040503050406030204" pitchFamily="18" charset="0"/>
-              </a:rPr>
-              <a:t>/</a:t>
-            </a:r>
-            <a:r>
-              <a:rPr lang="ru-RU" sz="1600" dirty="0" err="1">
-                <a:latin typeface="Cambria Math" panose="02040503050406030204" pitchFamily="18" charset="0"/>
-                <a:ea typeface="Cambria Math" panose="02040503050406030204" pitchFamily="18" charset="0"/>
-              </a:rPr>
-              <a:t>user</a:t>
-            </a:r>
-            <a:r>
-              <a:rPr lang="ru-RU" sz="1600" dirty="0">
-                <a:latin typeface="Cambria Math" panose="02040503050406030204" pitchFamily="18" charset="0"/>
-                <a:ea typeface="Cambria Math" panose="02040503050406030204" pitchFamily="18" charset="0"/>
-              </a:rPr>
-              <a:t>/</a:t>
-            </a:r>
-            <a:r>
-              <a:rPr lang="ru-RU" sz="1600" dirty="0" err="1">
-                <a:latin typeface="Cambria Math" panose="02040503050406030204" pitchFamily="18" charset="0"/>
-                <a:ea typeface="Cambria Math" panose="02040503050406030204" pitchFamily="18" charset="0"/>
-              </a:rPr>
-              <a:t>finalp</a:t>
-            </a:r>
-            <a:r>
-              <a:rPr lang="ru-RU" sz="1600" dirty="0">
-                <a:latin typeface="Cambria Math" panose="02040503050406030204" pitchFamily="18" charset="0"/>
-                <a:ea typeface="Cambria Math" panose="02040503050406030204" pitchFamily="18" charset="0"/>
-              </a:rPr>
-              <a:t>/</a:t>
-            </a:r>
-            <a:r>
-              <a:rPr lang="ru-RU" sz="1600" dirty="0" err="1">
-                <a:latin typeface="Cambria Math" panose="02040503050406030204" pitchFamily="18" charset="0"/>
-                <a:ea typeface="Cambria Math" panose="02040503050406030204" pitchFamily="18" charset="0"/>
-              </a:rPr>
-              <a:t>inputData</a:t>
-            </a:r>
-            <a:r>
-              <a:rPr lang="ru-RU" sz="1600" dirty="0">
-                <a:latin typeface="Cambria Math" panose="02040503050406030204" pitchFamily="18" charset="0"/>
-                <a:ea typeface="Cambria Math" panose="02040503050406030204" pitchFamily="18" charset="0"/>
-              </a:rPr>
-              <a:t>/yellow_tripdata_2020-01.csv /</a:t>
-            </a:r>
-            <a:r>
-              <a:rPr lang="ru-RU" sz="1600" dirty="0" err="1">
-                <a:latin typeface="Cambria Math" panose="02040503050406030204" pitchFamily="18" charset="0"/>
-                <a:ea typeface="Cambria Math" panose="02040503050406030204" pitchFamily="18" charset="0"/>
-              </a:rPr>
-              <a:t>home</a:t>
-            </a:r>
-            <a:r>
-              <a:rPr lang="ru-RU" sz="1600" dirty="0">
-                <a:latin typeface="Cambria Math" panose="02040503050406030204" pitchFamily="18" charset="0"/>
-                <a:ea typeface="Cambria Math" panose="02040503050406030204" pitchFamily="18" charset="0"/>
-              </a:rPr>
-              <a:t>/</a:t>
-            </a:r>
-            <a:r>
-              <a:rPr lang="ru-RU" sz="1600" dirty="0" err="1">
-                <a:latin typeface="Cambria Math" panose="02040503050406030204" pitchFamily="18" charset="0"/>
-                <a:ea typeface="Cambria Math" panose="02040503050406030204" pitchFamily="18" charset="0"/>
-              </a:rPr>
-              <a:t>user</a:t>
-            </a:r>
-            <a:r>
-              <a:rPr lang="ru-RU" sz="1600" dirty="0">
-                <a:latin typeface="Cambria Math" panose="02040503050406030204" pitchFamily="18" charset="0"/>
-                <a:ea typeface="Cambria Math" panose="02040503050406030204" pitchFamily="18" charset="0"/>
-              </a:rPr>
-              <a:t>/</a:t>
-            </a:r>
-            <a:r>
-              <a:rPr lang="ru-RU" sz="1600" dirty="0" err="1">
-                <a:latin typeface="Cambria Math" panose="02040503050406030204" pitchFamily="18" charset="0"/>
-                <a:ea typeface="Cambria Math" panose="02040503050406030204" pitchFamily="18" charset="0"/>
-              </a:rPr>
-              <a:t>finalp</a:t>
-            </a:r>
-            <a:r>
-              <a:rPr lang="ru-RU" sz="1600" dirty="0">
-                <a:latin typeface="Cambria Math" panose="02040503050406030204" pitchFamily="18" charset="0"/>
-                <a:ea typeface="Cambria Math" panose="02040503050406030204" pitchFamily="18" charset="0"/>
-              </a:rPr>
-              <a:t>/</a:t>
-            </a:r>
-            <a:r>
-              <a:rPr lang="ru-RU" sz="1600" dirty="0" err="1">
-                <a:latin typeface="Cambria Math" panose="02040503050406030204" pitchFamily="18" charset="0"/>
-                <a:ea typeface="Cambria Math" panose="02040503050406030204" pitchFamily="18" charset="0"/>
-              </a:rPr>
-              <a:t>outputData</a:t>
-            </a:r>
-            <a:r>
-              <a:rPr lang="ru-RU" sz="1600" dirty="0">
-                <a:latin typeface="Cambria Math" panose="02040503050406030204" pitchFamily="18" charset="0"/>
-                <a:ea typeface="Cambria Math" panose="02040503050406030204" pitchFamily="18" charset="0"/>
-              </a:rPr>
-              <a:t>/</a:t>
-            </a:r>
-          </a:p>
-        </p:txBody>
-      </p:sp>
-      <p:sp>
-        <p:nvSpPr>
-          <p:cNvPr id="13" name="TextBox 12">
-            <a:extLst>
-              <a:ext uri="{FF2B5EF4-FFF2-40B4-BE49-F238E27FC236}">
-                <a16:creationId xmlns:a16="http://schemas.microsoft.com/office/drawing/2014/main" id="{B0772810-7E3A-D3F5-63B7-47EC95DA4B54}"/>
-              </a:ext>
-            </a:extLst>
-          </p:cNvPr>
-          <p:cNvSpPr txBox="1"/>
-          <p:nvPr/>
-        </p:nvSpPr>
-        <p:spPr>
-          <a:xfrm>
-            <a:off x="439737" y="217397"/>
-            <a:ext cx="5038724" cy="584775"/>
-          </a:xfrm>
-          <a:prstGeom prst="rect">
-            <a:avLst/>
-          </a:prstGeom>
-          <a:noFill/>
-        </p:spPr>
-        <p:txBody>
-          <a:bodyPr wrap="square">
-            <a:spAutoFit/>
-          </a:bodyPr>
-          <a:lstStyle/>
-          <a:p>
-            <a:r>
-              <a:rPr lang="ru-RU" sz="3200" dirty="0">
-                <a:latin typeface="Cambria Math" panose="02040503050406030204" pitchFamily="18" charset="0"/>
-                <a:ea typeface="Cambria Math" panose="02040503050406030204" pitchFamily="18" charset="0"/>
-              </a:rPr>
-              <a:t>Структура проекта:</a:t>
-            </a:r>
-          </a:p>
-        </p:txBody>
-      </p:sp>
     </p:spTree>
     <p:extLst>
       <p:ext uri="{BB962C8B-B14F-4D97-AF65-F5344CB8AC3E}">
@@ -8663,7 +8559,7 @@
         </p:nvSpPr>
         <p:spPr>
           <a:xfrm>
-            <a:off x="563562" y="1084182"/>
+            <a:off x="563562" y="822572"/>
             <a:ext cx="8656638" cy="461665"/>
           </a:xfrm>
           <a:prstGeom prst="rect">
@@ -8689,49 +8585,32 @@
       </p:sp>
       <p:pic>
         <p:nvPicPr>
-          <p:cNvPr id="2050" name="Picture 2" descr="График2">
+          <p:cNvPr id="3" name="Рисунок 2">
             <a:extLst>
               <a:ext uri="{FF2B5EF4-FFF2-40B4-BE49-F238E27FC236}">
-                <a16:creationId xmlns:a16="http://schemas.microsoft.com/office/drawing/2014/main" id="{BBFCCF67-8442-6EE3-91EA-37039F0ED3D3}"/>
+                <a16:creationId xmlns:a16="http://schemas.microsoft.com/office/drawing/2014/main" id="{4F89E30C-B646-EEC4-4FF9-325B28D7FE41}"/>
               </a:ext>
             </a:extLst>
           </p:cNvPr>
           <p:cNvPicPr>
-            <a:picLocks noChangeAspect="1" noChangeArrowheads="1"/>
+            <a:picLocks noChangeAspect="1"/>
           </p:cNvPicPr>
           <p:nvPr/>
         </p:nvPicPr>
         <p:blipFill>
-          <a:blip r:embed="rId3">
-            <a:extLst>
-              <a:ext uri="{28A0092B-C50C-407E-A947-70E740481C1C}">
-                <a14:useLocalDpi xmlns:a14="http://schemas.microsoft.com/office/drawing/2010/main" val="0"/>
-              </a:ext>
-            </a:extLst>
-          </a:blip>
-          <a:srcRect/>
+          <a:blip r:embed="rId3"/>
           <a:stretch>
             <a:fillRect/>
           </a:stretch>
         </p:blipFill>
-        <p:spPr bwMode="auto">
+        <p:spPr>
           <a:xfrm>
-            <a:off x="715319" y="1768673"/>
-            <a:ext cx="8504881" cy="3136761"/>
+            <a:off x="751649" y="1438275"/>
+            <a:ext cx="8577325" cy="4078804"/>
           </a:xfrm>
           <a:prstGeom prst="rect">
             <a:avLst/>
           </a:prstGeom>
-          <a:noFill/>
-          <a:extLst>
-            <a:ext uri="{909E8E84-426E-40DD-AFC4-6F175D3DCCD1}">
-              <a14:hiddenFill xmlns:a14="http://schemas.microsoft.com/office/drawing/2010/main">
-                <a:solidFill>
-                  <a:srgbClr val="FFFFFF"/>
-                </a:solidFill>
-              </a14:hiddenFill>
-            </a:ext>
-          </a:extLst>
         </p:spPr>
       </p:pic>
     </p:spTree>
@@ -8817,7 +8696,7 @@
         <p:spPr>
           <a:xfrm>
             <a:off x="563562" y="971550"/>
-            <a:ext cx="9123363" cy="2554545"/>
+            <a:ext cx="9123363" cy="2246769"/>
           </a:xfrm>
           <a:prstGeom prst="rect">
             <a:avLst/>
@@ -8835,60 +8714,12 @@
                 <a:latin typeface="Cambria Math" panose="02040503050406030204" pitchFamily="18" charset="0"/>
                 <a:ea typeface="Cambria Math" panose="02040503050406030204" pitchFamily="18" charset="0"/>
               </a:rPr>
-              <a:t>На основании графиков из фала </a:t>
-            </a:r>
-            <a:r>
-              <a:rPr lang="ru-RU" sz="2400" dirty="0" err="1">
-                <a:latin typeface="Cambria Math" panose="02040503050406030204" pitchFamily="18" charset="0"/>
-                <a:ea typeface="Cambria Math" panose="02040503050406030204" pitchFamily="18" charset="0"/>
-              </a:rPr>
-              <a:t>inputData</a:t>
-            </a:r>
-            <a:r>
-              <a:rPr lang="ru-RU" sz="2400" dirty="0">
-                <a:latin typeface="Cambria Math" panose="02040503050406030204" pitchFamily="18" charset="0"/>
-                <a:ea typeface="Cambria Math" panose="02040503050406030204" pitchFamily="18" charset="0"/>
-              </a:rPr>
-              <a:t>/</a:t>
-            </a:r>
-            <a:r>
-              <a:rPr lang="ru-RU" sz="2400" dirty="0" err="1">
-                <a:latin typeface="Cambria Math" panose="02040503050406030204" pitchFamily="18" charset="0"/>
-                <a:ea typeface="Cambria Math" panose="02040503050406030204" pitchFamily="18" charset="0"/>
-              </a:rPr>
-              <a:t>analysis.ipynb</a:t>
-            </a:r>
-            <a:r>
-              <a:rPr lang="ru-RU" sz="2400" dirty="0">
-                <a:latin typeface="Cambria Math" panose="02040503050406030204" pitchFamily="18" charset="0"/>
-                <a:ea typeface="Cambria Math" panose="02040503050406030204" pitchFamily="18" charset="0"/>
-              </a:rPr>
-              <a:t> можно сделать выводы, что:</a:t>
-            </a:r>
-          </a:p>
-          <a:p>
-            <a:pPr marL="342900" indent="-342900">
-              <a:buAutoNum type="arabicPeriod"/>
-            </a:pPr>
-            <a:r>
-              <a:rPr lang="ru-RU" sz="2400" dirty="0">
-                <a:latin typeface="Cambria Math" panose="02040503050406030204" pitchFamily="18" charset="0"/>
-                <a:ea typeface="Cambria Math" panose="02040503050406030204" pitchFamily="18" charset="0"/>
-              </a:rPr>
-              <a:t>Чем больше дистанция поездки, тем меньше чаевых. </a:t>
-            </a:r>
-          </a:p>
-          <a:p>
-            <a:pPr marL="342900" indent="-342900">
-              <a:buAutoNum type="arabicPeriod"/>
-            </a:pPr>
-            <a:r>
-              <a:rPr lang="ru-RU" sz="2400" dirty="0">
-                <a:latin typeface="Cambria Math" panose="02040503050406030204" pitchFamily="18" charset="0"/>
-                <a:ea typeface="Cambria Math" panose="02040503050406030204" pitchFamily="18" charset="0"/>
-              </a:rPr>
-              <a:t>Больше всего чаевых оставляет один человек. Чем больше пассажиров, тем меньше чаевых они оставляют.</a:t>
-            </a:r>
+              <a:t>Из результатов анализа можно сделать вывод о том, что чем большее количество пассажиров едет в такси, тем меньшее количество чаевых они оставляют. При этом, среднее пройденное расстояние поездки практически никак не влияет на размер чаевых.</a:t>
+            </a:r>
+            <a:endParaRPr lang="ru-RU" sz="2000" dirty="0">
+              <a:latin typeface="Cambria Math" panose="02040503050406030204" pitchFamily="18" charset="0"/>
+              <a:ea typeface="Cambria Math" panose="02040503050406030204" pitchFamily="18" charset="0"/>
+            </a:endParaRPr>
           </a:p>
           <a:p>
             <a:pPr marL="342900" indent="-342900">
@@ -8899,23 +8730,14 @@
               <a:ea typeface="Cambria Math" panose="02040503050406030204" pitchFamily="18" charset="0"/>
             </a:endParaRPr>
           </a:p>
-          <a:p>
-            <a:pPr marL="342900" indent="-342900">
-              <a:buAutoNum type="arabicPeriod"/>
-            </a:pPr>
-            <a:endParaRPr lang="ru-RU" sz="2000" dirty="0">
-              <a:latin typeface="Cambria Math" panose="02040503050406030204" pitchFamily="18" charset="0"/>
-              <a:ea typeface="Cambria Math" panose="02040503050406030204" pitchFamily="18" charset="0"/>
-            </a:endParaRPr>
-          </a:p>
         </p:txBody>
       </p:sp>
       <p:pic>
         <p:nvPicPr>
-          <p:cNvPr id="8" name="Рисунок 7">
+          <p:cNvPr id="5" name="Рисунок 4">
             <a:extLst>
               <a:ext uri="{FF2B5EF4-FFF2-40B4-BE49-F238E27FC236}">
-                <a16:creationId xmlns:a16="http://schemas.microsoft.com/office/drawing/2014/main" id="{5A4D5BE3-5FB9-7C4C-2E30-592FBD3258B7}"/>
+                <a16:creationId xmlns:a16="http://schemas.microsoft.com/office/drawing/2014/main" id="{2A41FEA4-89AB-ED1C-E353-7CFA3FD12CB2}"/>
               </a:ext>
             </a:extLst>
           </p:cNvPr>
@@ -8932,8 +8754,8 @@
         </p:blipFill>
         <p:spPr>
           <a:xfrm>
-            <a:off x="440592" y="3215965"/>
-            <a:ext cx="4227901" cy="2301113"/>
+            <a:off x="5486400" y="2675206"/>
+            <a:ext cx="4200525" cy="2861993"/>
           </a:xfrm>
           <a:prstGeom prst="rect">
             <a:avLst/>
@@ -8942,10 +8764,10 @@
       </p:pic>
       <p:pic>
         <p:nvPicPr>
-          <p:cNvPr id="10" name="Рисунок 9">
+          <p:cNvPr id="7" name="Рисунок 6">
             <a:extLst>
               <a:ext uri="{FF2B5EF4-FFF2-40B4-BE49-F238E27FC236}">
-                <a16:creationId xmlns:a16="http://schemas.microsoft.com/office/drawing/2014/main" id="{078740FA-4959-29BD-E44F-EA1A8F7ED1A2}"/>
+                <a16:creationId xmlns:a16="http://schemas.microsoft.com/office/drawing/2014/main" id="{2F956008-D585-8C66-566F-86F13F8F1055}"/>
               </a:ext>
             </a:extLst>
           </p:cNvPr>
@@ -8962,8 +8784,8 @@
         </p:blipFill>
         <p:spPr>
           <a:xfrm>
-            <a:off x="4917342" y="3215965"/>
-            <a:ext cx="4769583" cy="2302840"/>
+            <a:off x="546099" y="2996478"/>
+            <a:ext cx="4886325" cy="2520601"/>
           </a:xfrm>
           <a:prstGeom prst="rect">
             <a:avLst/>
